--- a/onvif/doc/rapidonvif.pptx
+++ b/onvif/doc/rapidonvif.pptx
@@ -3057,7 +3057,7 @@
         <p:spPr>
           <a:xfrm>
             <a:off x="749780" y="6065180"/>
-            <a:ext cx="10307425" cy="812043"/>
+            <a:ext cx="10307425" cy="590687"/>
           </a:xfrm>
           <a:prstGeom prst="rect">
             <a:avLst/>
@@ -3146,7 +3146,7 @@
         </p:nvSpPr>
         <p:spPr>
           <a:xfrm>
-            <a:off x="3970003" y="6286535"/>
+            <a:off x="3935472" y="6175857"/>
             <a:ext cx="3936040" cy="369332"/>
           </a:xfrm>
           <a:prstGeom prst="rect">
@@ -3204,11 +3204,7 @@
             </a:r>
             <a:r>
               <a:rPr lang="en-US" altLang="zh-CN" dirty="0" smtClean="0"/>
-              <a:t>(</a:t>
-            </a:r>
-            <a:r>
-              <a:rPr lang="en-US" altLang="zh-CN" dirty="0" smtClean="0"/>
-              <a:t>GPL) Process</a:t>
+              <a:t>(GPL) Process</a:t>
             </a:r>
             <a:endParaRPr lang="zh-CN" altLang="en-US" dirty="0"/>
           </a:p>
